--- a/DTM/presentations/labmeeting07-17-17.pptx
+++ b/DTM/presentations/labmeeting07-17-17.pptx
@@ -6246,1051 +6246,1066 @@
           <a:chExt cx="0" cy="0"/>
         </a:xfrm>
       </p:grpSpPr>
-      <p:sp>
-        <p:nvSpPr>
-          <p:cNvPr id="16" name="Rectangle 15"/>
-          <p:cNvSpPr/>
+      <p:grpSp>
+        <p:nvGrpSpPr>
+          <p:cNvPr id="53" name="Group 52"/>
+          <p:cNvGrpSpPr/>
           <p:nvPr/>
-        </p:nvSpPr>
-        <p:spPr>
+        </p:nvGrpSpPr>
+        <p:grpSpPr>
           <a:xfrm>
             <a:off x="-10" y="-23350"/>
-            <a:ext cx="9144000" cy="1866249"/>
-          </a:xfrm>
-          <a:prstGeom prst="rect">
-            <a:avLst/>
-          </a:prstGeom>
-          <a:solidFill>
-            <a:srgbClr val="F0F8A1"/>
-          </a:solidFill>
-          <a:ln>
-            <a:noFill/>
-          </a:ln>
-          <a:effectLst/>
-        </p:spPr>
-        <p:style>
-          <a:lnRef idx="1">
-            <a:schemeClr val="accent1"/>
-          </a:lnRef>
-          <a:fillRef idx="3">
-            <a:schemeClr val="accent1"/>
-          </a:fillRef>
-          <a:effectRef idx="2">
-            <a:schemeClr val="accent1"/>
-          </a:effectRef>
-          <a:fontRef idx="minor">
-            <a:schemeClr val="lt1"/>
-          </a:fontRef>
-        </p:style>
-        <p:txBody>
-          <a:bodyPr rtlCol="0" anchor="ctr"/>
-          <a:lstStyle/>
-          <a:p>
-            <a:pPr algn="ctr"/>
-            <a:endParaRPr lang="en-US" dirty="0"/>
-          </a:p>
-        </p:txBody>
-      </p:sp>
-      <p:sp>
-        <p:nvSpPr>
-          <p:cNvPr id="15" name="Rectangle 14"/>
-          <p:cNvSpPr/>
-          <p:nvPr/>
-        </p:nvSpPr>
-        <p:spPr>
-          <a:xfrm>
-            <a:off x="0" y="4991751"/>
-            <a:ext cx="9144000" cy="1866249"/>
-          </a:xfrm>
-          <a:prstGeom prst="rect">
-            <a:avLst/>
-          </a:prstGeom>
-          <a:solidFill>
-            <a:schemeClr val="accent2">
-              <a:lumMod val="40000"/>
-              <a:lumOff val="60000"/>
-            </a:schemeClr>
-          </a:solidFill>
-          <a:ln>
-            <a:noFill/>
-          </a:ln>
-          <a:effectLst/>
-        </p:spPr>
-        <p:style>
-          <a:lnRef idx="1">
-            <a:schemeClr val="accent1"/>
-          </a:lnRef>
-          <a:fillRef idx="3">
-            <a:schemeClr val="accent1"/>
-          </a:fillRef>
-          <a:effectRef idx="2">
-            <a:schemeClr val="accent1"/>
-          </a:effectRef>
-          <a:fontRef idx="minor">
-            <a:schemeClr val="lt1"/>
-          </a:fontRef>
-        </p:style>
-        <p:txBody>
-          <a:bodyPr rtlCol="0" anchor="ctr"/>
-          <a:lstStyle/>
-          <a:p>
-            <a:pPr algn="ctr"/>
-            <a:endParaRPr lang="en-US"/>
-          </a:p>
-        </p:txBody>
-      </p:sp>
-      <p:sp>
-        <p:nvSpPr>
-          <p:cNvPr id="14" name="Rectangle 13"/>
-          <p:cNvSpPr/>
-          <p:nvPr/>
-        </p:nvSpPr>
-        <p:spPr>
-          <a:xfrm>
-            <a:off x="0" y="3125505"/>
-            <a:ext cx="9144000" cy="1866249"/>
-          </a:xfrm>
-          <a:prstGeom prst="rect">
-            <a:avLst/>
-          </a:prstGeom>
-          <a:solidFill>
-            <a:srgbClr val="F0F8A1"/>
-          </a:solidFill>
-          <a:ln>
-            <a:noFill/>
-          </a:ln>
-          <a:effectLst/>
-        </p:spPr>
-        <p:style>
-          <a:lnRef idx="1">
-            <a:schemeClr val="accent1"/>
-          </a:lnRef>
-          <a:fillRef idx="3">
-            <a:schemeClr val="accent1"/>
-          </a:fillRef>
-          <a:effectRef idx="2">
-            <a:schemeClr val="accent1"/>
-          </a:effectRef>
-          <a:fontRef idx="minor">
-            <a:schemeClr val="lt1"/>
-          </a:fontRef>
-        </p:style>
-        <p:txBody>
-          <a:bodyPr rtlCol="0" anchor="ctr"/>
-          <a:lstStyle/>
-          <a:p>
-            <a:pPr algn="ctr"/>
-            <a:endParaRPr lang="en-US" dirty="0"/>
-          </a:p>
-        </p:txBody>
-      </p:sp>
-      <p:sp>
-        <p:nvSpPr>
-          <p:cNvPr id="13" name="Rectangle 12"/>
-          <p:cNvSpPr/>
-          <p:nvPr/>
-        </p:nvSpPr>
-        <p:spPr>
-          <a:xfrm>
-            <a:off x="0" y="1263702"/>
-            <a:ext cx="9144000" cy="1866249"/>
-          </a:xfrm>
-          <a:prstGeom prst="rect">
-            <a:avLst/>
-          </a:prstGeom>
-          <a:solidFill>
-            <a:schemeClr val="accent2">
-              <a:lumMod val="40000"/>
-              <a:lumOff val="60000"/>
-            </a:schemeClr>
-          </a:solidFill>
-          <a:ln>
-            <a:noFill/>
-          </a:ln>
-          <a:effectLst/>
-        </p:spPr>
-        <p:style>
-          <a:lnRef idx="1">
-            <a:schemeClr val="accent1"/>
-          </a:lnRef>
-          <a:fillRef idx="3">
-            <a:schemeClr val="accent1"/>
-          </a:fillRef>
-          <a:effectRef idx="2">
-            <a:schemeClr val="accent1"/>
-          </a:effectRef>
-          <a:fontRef idx="minor">
-            <a:schemeClr val="lt1"/>
-          </a:fontRef>
-        </p:style>
-        <p:txBody>
-          <a:bodyPr rtlCol="0" anchor="ctr"/>
-          <a:lstStyle/>
-          <a:p>
-            <a:pPr algn="ctr"/>
-            <a:endParaRPr lang="en-US"/>
-          </a:p>
-        </p:txBody>
-      </p:sp>
-      <p:sp>
-        <p:nvSpPr>
-          <p:cNvPr id="4" name="Rounded Rectangle 3"/>
-          <p:cNvSpPr/>
-          <p:nvPr/>
-        </p:nvSpPr>
-        <p:spPr>
-          <a:xfrm>
-            <a:off x="1603637" y="1590628"/>
-            <a:ext cx="2001353" cy="1218630"/>
-          </a:xfrm>
-          <a:prstGeom prst="roundRect">
-            <a:avLst/>
-          </a:prstGeom>
-          <a:solidFill>
-            <a:srgbClr val="FFFFFF"/>
-          </a:solidFill>
-          <a:ln>
+            <a:ext cx="9144010" cy="6881350"/>
+            <a:chOff x="-10" y="-23350"/>
+            <a:chExt cx="9144010" cy="6881350"/>
+          </a:xfrm>
+        </p:grpSpPr>
+        <p:sp>
+          <p:nvSpPr>
+            <p:cNvPr id="16" name="Rectangle 15"/>
+            <p:cNvSpPr/>
+            <p:nvPr/>
+          </p:nvSpPr>
+          <p:spPr>
+            <a:xfrm>
+              <a:off x="-10" y="-23350"/>
+              <a:ext cx="9144000" cy="1866249"/>
+            </a:xfrm>
+            <a:prstGeom prst="rect">
+              <a:avLst/>
+            </a:prstGeom>
             <a:solidFill>
-              <a:srgbClr val="000000"/>
+              <a:srgbClr val="F0F8A1"/>
             </a:solidFill>
-          </a:ln>
-          <a:effectLst/>
-        </p:spPr>
-        <p:style>
-          <a:lnRef idx="1">
-            <a:schemeClr val="accent1"/>
-          </a:lnRef>
-          <a:fillRef idx="3">
-            <a:schemeClr val="accent1"/>
-          </a:fillRef>
-          <a:effectRef idx="2">
-            <a:schemeClr val="accent1"/>
-          </a:effectRef>
-          <a:fontRef idx="minor">
-            <a:schemeClr val="lt1"/>
-          </a:fontRef>
-        </p:style>
-        <p:txBody>
-          <a:bodyPr rtlCol="0" anchor="ctr"/>
-          <a:lstStyle/>
-          <a:p>
-            <a:pPr algn="ctr"/>
-            <a:r>
-              <a:rPr lang="en-US" dirty="0" smtClean="0">
+            <a:ln>
+              <a:noFill/>
+            </a:ln>
+            <a:effectLst/>
+          </p:spPr>
+          <p:style>
+            <a:lnRef idx="1">
+              <a:schemeClr val="accent1"/>
+            </a:lnRef>
+            <a:fillRef idx="3">
+              <a:schemeClr val="accent1"/>
+            </a:fillRef>
+            <a:effectRef idx="2">
+              <a:schemeClr val="accent1"/>
+            </a:effectRef>
+            <a:fontRef idx="minor">
+              <a:schemeClr val="lt1"/>
+            </a:fontRef>
+          </p:style>
+          <p:txBody>
+            <a:bodyPr rtlCol="0" anchor="ctr"/>
+            <a:lstStyle/>
+            <a:p>
+              <a:pPr algn="ctr"/>
+              <a:endParaRPr lang="en-US" dirty="0"/>
+            </a:p>
+          </p:txBody>
+        </p:sp>
+        <p:sp>
+          <p:nvSpPr>
+            <p:cNvPr id="15" name="Rectangle 14"/>
+            <p:cNvSpPr/>
+            <p:nvPr/>
+          </p:nvSpPr>
+          <p:spPr>
+            <a:xfrm>
+              <a:off x="0" y="4991751"/>
+              <a:ext cx="9144000" cy="1866249"/>
+            </a:xfrm>
+            <a:prstGeom prst="rect">
+              <a:avLst/>
+            </a:prstGeom>
+            <a:solidFill>
+              <a:schemeClr val="accent2">
+                <a:lumMod val="40000"/>
+                <a:lumOff val="60000"/>
+              </a:schemeClr>
+            </a:solidFill>
+            <a:ln>
+              <a:noFill/>
+            </a:ln>
+            <a:effectLst/>
+          </p:spPr>
+          <p:style>
+            <a:lnRef idx="1">
+              <a:schemeClr val="accent1"/>
+            </a:lnRef>
+            <a:fillRef idx="3">
+              <a:schemeClr val="accent1"/>
+            </a:fillRef>
+            <a:effectRef idx="2">
+              <a:schemeClr val="accent1"/>
+            </a:effectRef>
+            <a:fontRef idx="minor">
+              <a:schemeClr val="lt1"/>
+            </a:fontRef>
+          </p:style>
+          <p:txBody>
+            <a:bodyPr rtlCol="0" anchor="ctr"/>
+            <a:lstStyle/>
+            <a:p>
+              <a:pPr algn="ctr"/>
+              <a:endParaRPr lang="en-US"/>
+            </a:p>
+          </p:txBody>
+        </p:sp>
+        <p:sp>
+          <p:nvSpPr>
+            <p:cNvPr id="14" name="Rectangle 13"/>
+            <p:cNvSpPr/>
+            <p:nvPr/>
+          </p:nvSpPr>
+          <p:spPr>
+            <a:xfrm>
+              <a:off x="0" y="3125505"/>
+              <a:ext cx="9144000" cy="1866249"/>
+            </a:xfrm>
+            <a:prstGeom prst="rect">
+              <a:avLst/>
+            </a:prstGeom>
+            <a:solidFill>
+              <a:srgbClr val="F0F8A1"/>
+            </a:solidFill>
+            <a:ln>
+              <a:noFill/>
+            </a:ln>
+            <a:effectLst/>
+          </p:spPr>
+          <p:style>
+            <a:lnRef idx="1">
+              <a:schemeClr val="accent1"/>
+            </a:lnRef>
+            <a:fillRef idx="3">
+              <a:schemeClr val="accent1"/>
+            </a:fillRef>
+            <a:effectRef idx="2">
+              <a:schemeClr val="accent1"/>
+            </a:effectRef>
+            <a:fontRef idx="minor">
+              <a:schemeClr val="lt1"/>
+            </a:fontRef>
+          </p:style>
+          <p:txBody>
+            <a:bodyPr rtlCol="0" anchor="ctr"/>
+            <a:lstStyle/>
+            <a:p>
+              <a:pPr algn="ctr"/>
+              <a:endParaRPr lang="en-US" dirty="0"/>
+            </a:p>
+          </p:txBody>
+        </p:sp>
+        <p:sp>
+          <p:nvSpPr>
+            <p:cNvPr id="13" name="Rectangle 12"/>
+            <p:cNvSpPr/>
+            <p:nvPr/>
+          </p:nvSpPr>
+          <p:spPr>
+            <a:xfrm>
+              <a:off x="0" y="1263702"/>
+              <a:ext cx="9144000" cy="1866249"/>
+            </a:xfrm>
+            <a:prstGeom prst="rect">
+              <a:avLst/>
+            </a:prstGeom>
+            <a:solidFill>
+              <a:schemeClr val="accent2">
+                <a:lumMod val="40000"/>
+                <a:lumOff val="60000"/>
+              </a:schemeClr>
+            </a:solidFill>
+            <a:ln>
+              <a:noFill/>
+            </a:ln>
+            <a:effectLst/>
+          </p:spPr>
+          <p:style>
+            <a:lnRef idx="1">
+              <a:schemeClr val="accent1"/>
+            </a:lnRef>
+            <a:fillRef idx="3">
+              <a:schemeClr val="accent1"/>
+            </a:fillRef>
+            <a:effectRef idx="2">
+              <a:schemeClr val="accent1"/>
+            </a:effectRef>
+            <a:fontRef idx="minor">
+              <a:schemeClr val="lt1"/>
+            </a:fontRef>
+          </p:style>
+          <p:txBody>
+            <a:bodyPr rtlCol="0" anchor="ctr"/>
+            <a:lstStyle/>
+            <a:p>
+              <a:pPr algn="ctr"/>
+              <a:endParaRPr lang="en-US"/>
+            </a:p>
+          </p:txBody>
+        </p:sp>
+        <p:sp>
+          <p:nvSpPr>
+            <p:cNvPr id="4" name="Rounded Rectangle 3"/>
+            <p:cNvSpPr/>
+            <p:nvPr/>
+          </p:nvSpPr>
+          <p:spPr>
+            <a:xfrm>
+              <a:off x="1603637" y="1590628"/>
+              <a:ext cx="2001353" cy="1218630"/>
+            </a:xfrm>
+            <a:prstGeom prst="roundRect">
+              <a:avLst/>
+            </a:prstGeom>
+            <a:solidFill>
+              <a:srgbClr val="FFFFFF"/>
+            </a:solidFill>
+            <a:ln>
+              <a:solidFill>
+                <a:srgbClr val="000000"/>
+              </a:solidFill>
+            </a:ln>
+            <a:effectLst/>
+          </p:spPr>
+          <p:style>
+            <a:lnRef idx="1">
+              <a:schemeClr val="accent1"/>
+            </a:lnRef>
+            <a:fillRef idx="3">
+              <a:schemeClr val="accent1"/>
+            </a:fillRef>
+            <a:effectRef idx="2">
+              <a:schemeClr val="accent1"/>
+            </a:effectRef>
+            <a:fontRef idx="minor">
+              <a:schemeClr val="lt1"/>
+            </a:fontRef>
+          </p:style>
+          <p:txBody>
+            <a:bodyPr rtlCol="0" anchor="ctr"/>
+            <a:lstStyle/>
+            <a:p>
+              <a:pPr algn="ctr"/>
+              <a:r>
+                <a:rPr lang="en-US" dirty="0" smtClean="0">
+                  <a:solidFill>
+                    <a:srgbClr val="000000"/>
+                  </a:solidFill>
+                  <a:latin typeface="Helvetica"/>
+                  <a:cs typeface="Helvetica"/>
+                </a:rPr>
+                <a:t>Extract ROI </a:t>
+              </a:r>
+              <a:r>
+                <a:rPr lang="en-US" dirty="0" err="1" smtClean="0">
+                  <a:solidFill>
+                    <a:srgbClr val="000000"/>
+                  </a:solidFill>
+                  <a:latin typeface="Helvetica"/>
+                  <a:cs typeface="Helvetica"/>
+                </a:rPr>
+                <a:t>timeseries</a:t>
+              </a:r>
+              <a:endParaRPr lang="en-US" dirty="0">
                 <a:solidFill>
                   <a:srgbClr val="000000"/>
                 </a:solidFill>
                 <a:latin typeface="Helvetica"/>
                 <a:cs typeface="Helvetica"/>
-              </a:rPr>
-              <a:t>Extract ROI </a:t>
-            </a:r>
-            <a:r>
-              <a:rPr lang="en-US" dirty="0" err="1" smtClean="0">
+              </a:endParaRPr>
+            </a:p>
+          </p:txBody>
+        </p:sp>
+        <p:sp>
+          <p:nvSpPr>
+            <p:cNvPr id="5" name="Rounded Rectangle 4"/>
+            <p:cNvSpPr/>
+            <p:nvPr/>
+          </p:nvSpPr>
+          <p:spPr>
+            <a:xfrm>
+              <a:off x="4177654" y="1590628"/>
+              <a:ext cx="2001353" cy="1218630"/>
+            </a:xfrm>
+            <a:prstGeom prst="roundRect">
+              <a:avLst/>
+            </a:prstGeom>
+            <a:solidFill>
+              <a:srgbClr val="FFFFFF"/>
+            </a:solidFill>
+            <a:ln>
+              <a:solidFill>
+                <a:srgbClr val="000000"/>
+              </a:solidFill>
+            </a:ln>
+            <a:effectLst/>
+          </p:spPr>
+          <p:style>
+            <a:lnRef idx="1">
+              <a:schemeClr val="accent1"/>
+            </a:lnRef>
+            <a:fillRef idx="3">
+              <a:schemeClr val="accent1"/>
+            </a:fillRef>
+            <a:effectRef idx="2">
+              <a:schemeClr val="accent1"/>
+            </a:effectRef>
+            <a:fontRef idx="minor">
+              <a:schemeClr val="lt1"/>
+            </a:fontRef>
+          </p:style>
+          <p:txBody>
+            <a:bodyPr rtlCol="0" anchor="ctr"/>
+            <a:lstStyle/>
+            <a:p>
+              <a:pPr algn="ctr"/>
+              <a:r>
+                <a:rPr lang="en-US" dirty="0" smtClean="0">
+                  <a:solidFill>
+                    <a:srgbClr val="000000"/>
+                  </a:solidFill>
+                  <a:latin typeface="Helvetica"/>
+                  <a:cs typeface="Helvetica"/>
+                </a:rPr>
+                <a:t>Symbolic Aggregate Approximation</a:t>
+              </a:r>
+              <a:endParaRPr lang="en-US" dirty="0">
                 <a:solidFill>
                   <a:srgbClr val="000000"/>
                 </a:solidFill>
                 <a:latin typeface="Helvetica"/>
                 <a:cs typeface="Helvetica"/>
-              </a:rPr>
-              <a:t>timeseries</a:t>
-            </a:r>
-            <a:endParaRPr lang="en-US" dirty="0">
+              </a:endParaRPr>
+            </a:p>
+          </p:txBody>
+        </p:sp>
+        <p:sp>
+          <p:nvSpPr>
+            <p:cNvPr id="6" name="Rounded Rectangle 5"/>
+            <p:cNvSpPr/>
+            <p:nvPr/>
+          </p:nvSpPr>
+          <p:spPr>
+            <a:xfrm>
+              <a:off x="6775242" y="1590628"/>
+              <a:ext cx="2001353" cy="1218630"/>
+            </a:xfrm>
+            <a:prstGeom prst="roundRect">
+              <a:avLst/>
+            </a:prstGeom>
+            <a:solidFill>
+              <a:srgbClr val="FFFFFF"/>
+            </a:solidFill>
+            <a:ln>
               <a:solidFill>
                 <a:srgbClr val="000000"/>
               </a:solidFill>
-              <a:latin typeface="Helvetica"/>
-              <a:cs typeface="Helvetica"/>
-            </a:endParaRPr>
-          </a:p>
-        </p:txBody>
-      </p:sp>
-      <p:sp>
-        <p:nvSpPr>
-          <p:cNvPr id="5" name="Rounded Rectangle 4"/>
-          <p:cNvSpPr/>
-          <p:nvPr/>
-        </p:nvSpPr>
-        <p:spPr>
-          <a:xfrm>
-            <a:off x="4177654" y="1590628"/>
-            <a:ext cx="2001353" cy="1218630"/>
-          </a:xfrm>
-          <a:prstGeom prst="roundRect">
-            <a:avLst/>
-          </a:prstGeom>
-          <a:solidFill>
-            <a:srgbClr val="FFFFFF"/>
-          </a:solidFill>
-          <a:ln>
-            <a:solidFill>
-              <a:srgbClr val="000000"/>
-            </a:solidFill>
-          </a:ln>
-          <a:effectLst/>
-        </p:spPr>
-        <p:style>
-          <a:lnRef idx="1">
-            <a:schemeClr val="accent1"/>
-          </a:lnRef>
-          <a:fillRef idx="3">
-            <a:schemeClr val="accent1"/>
-          </a:fillRef>
-          <a:effectRef idx="2">
-            <a:schemeClr val="accent1"/>
-          </a:effectRef>
-          <a:fontRef idx="minor">
-            <a:schemeClr val="lt1"/>
-          </a:fontRef>
-        </p:style>
-        <p:txBody>
-          <a:bodyPr rtlCol="0" anchor="ctr"/>
-          <a:lstStyle/>
-          <a:p>
-            <a:pPr algn="ctr"/>
-            <a:r>
-              <a:rPr lang="en-US" dirty="0" smtClean="0">
+            </a:ln>
+            <a:effectLst/>
+          </p:spPr>
+          <p:style>
+            <a:lnRef idx="1">
+              <a:schemeClr val="accent1"/>
+            </a:lnRef>
+            <a:fillRef idx="3">
+              <a:schemeClr val="accent1"/>
+            </a:fillRef>
+            <a:effectRef idx="2">
+              <a:schemeClr val="accent1"/>
+            </a:effectRef>
+            <a:fontRef idx="minor">
+              <a:schemeClr val="lt1"/>
+            </a:fontRef>
+          </p:style>
+          <p:txBody>
+            <a:bodyPr rtlCol="0" anchor="ctr"/>
+            <a:lstStyle/>
+            <a:p>
+              <a:pPr algn="ctr"/>
+              <a:r>
+                <a:rPr lang="en-US" dirty="0" smtClean="0">
+                  <a:solidFill>
+                    <a:srgbClr val="000000"/>
+                  </a:solidFill>
+                  <a:latin typeface="Helvetica"/>
+                  <a:cs typeface="Helvetica"/>
+                </a:rPr>
+                <a:t>Create Documents</a:t>
+              </a:r>
+              <a:endParaRPr lang="en-US" dirty="0">
                 <a:solidFill>
                   <a:srgbClr val="000000"/>
                 </a:solidFill>
                 <a:latin typeface="Helvetica"/>
                 <a:cs typeface="Helvetica"/>
-              </a:rPr>
-              <a:t>Symbolic Aggregate Approximation</a:t>
-            </a:r>
-            <a:endParaRPr lang="en-US" dirty="0">
+              </a:endParaRPr>
+            </a:p>
+          </p:txBody>
+        </p:sp>
+        <p:sp>
+          <p:nvSpPr>
+            <p:cNvPr id="7" name="Rounded Rectangle 6"/>
+            <p:cNvSpPr/>
+            <p:nvPr/>
+          </p:nvSpPr>
+          <p:spPr>
+            <a:xfrm>
+              <a:off x="4151996" y="3446062"/>
+              <a:ext cx="2001353" cy="1218630"/>
+            </a:xfrm>
+            <a:prstGeom prst="roundRect">
+              <a:avLst/>
+            </a:prstGeom>
+            <a:solidFill>
+              <a:srgbClr val="FFFFFF"/>
+            </a:solidFill>
+            <a:ln>
               <a:solidFill>
                 <a:srgbClr val="000000"/>
               </a:solidFill>
-              <a:latin typeface="Helvetica"/>
-              <a:cs typeface="Helvetica"/>
-            </a:endParaRPr>
-          </a:p>
-        </p:txBody>
-      </p:sp>
-      <p:sp>
-        <p:nvSpPr>
-          <p:cNvPr id="6" name="Rounded Rectangle 5"/>
-          <p:cNvSpPr/>
-          <p:nvPr/>
-        </p:nvSpPr>
-        <p:spPr>
-          <a:xfrm>
-            <a:off x="6775242" y="1590628"/>
-            <a:ext cx="2001353" cy="1218630"/>
-          </a:xfrm>
-          <a:prstGeom prst="roundRect">
-            <a:avLst/>
-          </a:prstGeom>
-          <a:solidFill>
-            <a:srgbClr val="FFFFFF"/>
-          </a:solidFill>
-          <a:ln>
-            <a:solidFill>
-              <a:srgbClr val="000000"/>
-            </a:solidFill>
-          </a:ln>
-          <a:effectLst/>
-        </p:spPr>
-        <p:style>
-          <a:lnRef idx="1">
-            <a:schemeClr val="accent1"/>
-          </a:lnRef>
-          <a:fillRef idx="3">
-            <a:schemeClr val="accent1"/>
-          </a:fillRef>
-          <a:effectRef idx="2">
-            <a:schemeClr val="accent1"/>
-          </a:effectRef>
-          <a:fontRef idx="minor">
-            <a:schemeClr val="lt1"/>
-          </a:fontRef>
-        </p:style>
-        <p:txBody>
-          <a:bodyPr rtlCol="0" anchor="ctr"/>
-          <a:lstStyle/>
-          <a:p>
-            <a:pPr algn="ctr"/>
-            <a:r>
-              <a:rPr lang="en-US" dirty="0" smtClean="0">
+            </a:ln>
+            <a:effectLst/>
+          </p:spPr>
+          <p:style>
+            <a:lnRef idx="1">
+              <a:schemeClr val="accent1"/>
+            </a:lnRef>
+            <a:fillRef idx="3">
+              <a:schemeClr val="accent1"/>
+            </a:fillRef>
+            <a:effectRef idx="2">
+              <a:schemeClr val="accent1"/>
+            </a:effectRef>
+            <a:fontRef idx="minor">
+              <a:schemeClr val="lt1"/>
+            </a:fontRef>
+          </p:style>
+          <p:txBody>
+            <a:bodyPr rtlCol="0" anchor="ctr"/>
+            <a:lstStyle/>
+            <a:p>
+              <a:pPr algn="ctr"/>
+              <a:r>
+                <a:rPr lang="en-US" dirty="0" smtClean="0">
+                  <a:solidFill>
+                    <a:srgbClr val="000000"/>
+                  </a:solidFill>
+                  <a:latin typeface="Helvetica"/>
+                  <a:cs typeface="Helvetica"/>
+                </a:rPr>
+                <a:t>Dynamic Topic Model</a:t>
+              </a:r>
+              <a:endParaRPr lang="en-US" dirty="0">
                 <a:solidFill>
                   <a:srgbClr val="000000"/>
                 </a:solidFill>
                 <a:latin typeface="Helvetica"/>
                 <a:cs typeface="Helvetica"/>
-              </a:rPr>
-              <a:t>Create Documents</a:t>
-            </a:r>
-            <a:endParaRPr lang="en-US" dirty="0">
+              </a:endParaRPr>
+            </a:p>
+          </p:txBody>
+        </p:sp>
+        <p:sp>
+          <p:nvSpPr>
+            <p:cNvPr id="9" name="Rounded Rectangle 8"/>
+            <p:cNvSpPr/>
+            <p:nvPr/>
+          </p:nvSpPr>
+          <p:spPr>
+            <a:xfrm>
+              <a:off x="1603637" y="5193555"/>
+              <a:ext cx="2001353" cy="1218630"/>
+            </a:xfrm>
+            <a:prstGeom prst="roundRect">
+              <a:avLst/>
+            </a:prstGeom>
+            <a:solidFill>
+              <a:srgbClr val="FFFFFF"/>
+            </a:solidFill>
+            <a:ln>
               <a:solidFill>
                 <a:srgbClr val="000000"/>
               </a:solidFill>
-              <a:latin typeface="Helvetica"/>
-              <a:cs typeface="Helvetica"/>
-            </a:endParaRPr>
-          </a:p>
-        </p:txBody>
-      </p:sp>
-      <p:sp>
-        <p:nvSpPr>
-          <p:cNvPr id="7" name="Rounded Rectangle 6"/>
-          <p:cNvSpPr/>
-          <p:nvPr/>
-        </p:nvSpPr>
-        <p:spPr>
-          <a:xfrm>
-            <a:off x="4151996" y="3446062"/>
-            <a:ext cx="2001353" cy="1218630"/>
-          </a:xfrm>
-          <a:prstGeom prst="roundRect">
-            <a:avLst/>
-          </a:prstGeom>
-          <a:solidFill>
-            <a:srgbClr val="FFFFFF"/>
-          </a:solidFill>
-          <a:ln>
-            <a:solidFill>
-              <a:srgbClr val="000000"/>
-            </a:solidFill>
-          </a:ln>
-          <a:effectLst/>
-        </p:spPr>
-        <p:style>
-          <a:lnRef idx="1">
-            <a:schemeClr val="accent1"/>
-          </a:lnRef>
-          <a:fillRef idx="3">
-            <a:schemeClr val="accent1"/>
-          </a:fillRef>
-          <a:effectRef idx="2">
-            <a:schemeClr val="accent1"/>
-          </a:effectRef>
-          <a:fontRef idx="minor">
-            <a:schemeClr val="lt1"/>
-          </a:fontRef>
-        </p:style>
-        <p:txBody>
-          <a:bodyPr rtlCol="0" anchor="ctr"/>
-          <a:lstStyle/>
-          <a:p>
-            <a:pPr algn="ctr"/>
-            <a:r>
-              <a:rPr lang="en-US" dirty="0" smtClean="0">
+            </a:ln>
+            <a:effectLst/>
+          </p:spPr>
+          <p:style>
+            <a:lnRef idx="1">
+              <a:schemeClr val="accent1"/>
+            </a:lnRef>
+            <a:fillRef idx="3">
+              <a:schemeClr val="accent1"/>
+            </a:fillRef>
+            <a:effectRef idx="2">
+              <a:schemeClr val="accent1"/>
+            </a:effectRef>
+            <a:fontRef idx="minor">
+              <a:schemeClr val="lt1"/>
+            </a:fontRef>
+          </p:style>
+          <p:txBody>
+            <a:bodyPr rtlCol="0" anchor="ctr"/>
+            <a:lstStyle/>
+            <a:p>
+              <a:pPr algn="ctr"/>
+              <a:r>
+                <a:rPr lang="en-US" dirty="0" smtClean="0">
+                  <a:solidFill>
+                    <a:srgbClr val="000000"/>
+                  </a:solidFill>
+                  <a:latin typeface="Helvetica"/>
+                  <a:cs typeface="Helvetica"/>
+                </a:rPr>
+                <a:t>Group-wise state temporal probability matrix </a:t>
+              </a:r>
+              <a:endParaRPr lang="en-US" dirty="0">
                 <a:solidFill>
                   <a:srgbClr val="000000"/>
                 </a:solidFill>
                 <a:latin typeface="Helvetica"/>
                 <a:cs typeface="Helvetica"/>
-              </a:rPr>
-              <a:t>Dynamic Topic Model</a:t>
-            </a:r>
-            <a:endParaRPr lang="en-US" dirty="0">
+              </a:endParaRPr>
+            </a:p>
+          </p:txBody>
+        </p:sp>
+        <p:sp>
+          <p:nvSpPr>
+            <p:cNvPr id="17" name="Rounded Rectangle 16"/>
+            <p:cNvSpPr/>
+            <p:nvPr/>
+          </p:nvSpPr>
+          <p:spPr>
+            <a:xfrm>
+              <a:off x="3068378" y="85157"/>
+              <a:ext cx="4220812" cy="977222"/>
+            </a:xfrm>
+            <a:prstGeom prst="roundRect">
+              <a:avLst/>
+            </a:prstGeom>
+            <a:solidFill>
+              <a:srgbClr val="FFFFFF"/>
+            </a:solidFill>
+            <a:ln>
               <a:solidFill>
                 <a:srgbClr val="000000"/>
               </a:solidFill>
-              <a:latin typeface="Helvetica"/>
-              <a:cs typeface="Helvetica"/>
-            </a:endParaRPr>
-          </a:p>
-        </p:txBody>
-      </p:sp>
-      <p:sp>
-        <p:nvSpPr>
-          <p:cNvPr id="9" name="Rounded Rectangle 8"/>
-          <p:cNvSpPr/>
-          <p:nvPr/>
-        </p:nvSpPr>
-        <p:spPr>
-          <a:xfrm>
-            <a:off x="1603637" y="5193555"/>
-            <a:ext cx="2001353" cy="1218630"/>
-          </a:xfrm>
-          <a:prstGeom prst="roundRect">
-            <a:avLst/>
-          </a:prstGeom>
-          <a:solidFill>
-            <a:srgbClr val="FFFFFF"/>
-          </a:solidFill>
-          <a:ln>
-            <a:solidFill>
-              <a:srgbClr val="000000"/>
-            </a:solidFill>
-          </a:ln>
-          <a:effectLst/>
-        </p:spPr>
-        <p:style>
-          <a:lnRef idx="1">
-            <a:schemeClr val="accent1"/>
-          </a:lnRef>
-          <a:fillRef idx="3">
-            <a:schemeClr val="accent1"/>
-          </a:fillRef>
-          <a:effectRef idx="2">
-            <a:schemeClr val="accent1"/>
-          </a:effectRef>
-          <a:fontRef idx="minor">
-            <a:schemeClr val="lt1"/>
-          </a:fontRef>
-        </p:style>
-        <p:txBody>
-          <a:bodyPr rtlCol="0" anchor="ctr"/>
-          <a:lstStyle/>
-          <a:p>
-            <a:pPr algn="ctr"/>
-            <a:r>
-              <a:rPr lang="en-US" dirty="0" smtClean="0">
+            </a:ln>
+            <a:effectLst/>
+          </p:spPr>
+          <p:style>
+            <a:lnRef idx="1">
+              <a:schemeClr val="accent1"/>
+            </a:lnRef>
+            <a:fillRef idx="3">
+              <a:schemeClr val="accent1"/>
+            </a:fillRef>
+            <a:effectRef idx="2">
+              <a:schemeClr val="accent1"/>
+            </a:effectRef>
+            <a:fontRef idx="minor">
+              <a:schemeClr val="lt1"/>
+            </a:fontRef>
+          </p:style>
+          <p:txBody>
+            <a:bodyPr rtlCol="0" anchor="ctr"/>
+            <a:lstStyle/>
+            <a:p>
+              <a:pPr algn="ctr"/>
+              <a:r>
+                <a:rPr lang="en-US" sz="3500" dirty="0" smtClean="0">
+                  <a:solidFill>
+                    <a:srgbClr val="000000"/>
+                  </a:solidFill>
+                  <a:latin typeface="Helvetica"/>
+                  <a:cs typeface="Helvetica"/>
+                </a:rPr>
+                <a:t>Analysis Pipeline</a:t>
+              </a:r>
+              <a:endParaRPr lang="en-US" sz="3500" dirty="0">
                 <a:solidFill>
                   <a:srgbClr val="000000"/>
                 </a:solidFill>
                 <a:latin typeface="Helvetica"/>
                 <a:cs typeface="Helvetica"/>
-              </a:rPr>
-              <a:t>Group-wise state temporal probability matrix </a:t>
-            </a:r>
-            <a:endParaRPr lang="en-US" dirty="0">
+              </a:endParaRPr>
+            </a:p>
+          </p:txBody>
+        </p:sp>
+        <p:sp>
+          <p:nvSpPr>
+            <p:cNvPr id="19" name="TextBox 18"/>
+            <p:cNvSpPr txBox="1"/>
+            <p:nvPr/>
+          </p:nvSpPr>
+          <p:spPr>
+            <a:xfrm rot="16200000">
+              <a:off x="-572237" y="2018092"/>
+              <a:ext cx="1570224" cy="369332"/>
+            </a:xfrm>
+            <a:prstGeom prst="rect">
+              <a:avLst/>
+            </a:prstGeom>
+            <a:noFill/>
+          </p:spPr>
+          <p:txBody>
+            <a:bodyPr wrap="none" rtlCol="0">
+              <a:spAutoFit/>
+            </a:bodyPr>
+            <a:lstStyle/>
+            <a:p>
+              <a:r>
+                <a:rPr lang="en-US" dirty="0" smtClean="0">
+                  <a:latin typeface="Helvetica"/>
+                  <a:cs typeface="Helvetica"/>
+                </a:rPr>
+                <a:t>Process Data</a:t>
+              </a:r>
+              <a:endParaRPr lang="en-US" dirty="0">
+                <a:latin typeface="Helvetica"/>
+                <a:cs typeface="Helvetica"/>
+              </a:endParaRPr>
+            </a:p>
+          </p:txBody>
+        </p:sp>
+        <p:sp>
+          <p:nvSpPr>
+            <p:cNvPr id="20" name="TextBox 19"/>
+            <p:cNvSpPr txBox="1"/>
+            <p:nvPr/>
+          </p:nvSpPr>
+          <p:spPr>
+            <a:xfrm rot="16200000">
+              <a:off x="-338590" y="3863746"/>
+              <a:ext cx="1121408" cy="369332"/>
+            </a:xfrm>
+            <a:prstGeom prst="rect">
+              <a:avLst/>
+            </a:prstGeom>
+            <a:noFill/>
+          </p:spPr>
+          <p:txBody>
+            <a:bodyPr wrap="none" rtlCol="0">
+              <a:spAutoFit/>
+            </a:bodyPr>
+            <a:lstStyle/>
+            <a:p>
+              <a:r>
+                <a:rPr lang="en-US" dirty="0" smtClean="0">
+                  <a:latin typeface="Helvetica"/>
+                  <a:cs typeface="Helvetica"/>
+                </a:rPr>
+                <a:t>Modeling</a:t>
+              </a:r>
+              <a:endParaRPr lang="en-US" dirty="0">
+                <a:latin typeface="Helvetica"/>
+                <a:cs typeface="Helvetica"/>
+              </a:endParaRPr>
+            </a:p>
+          </p:txBody>
+        </p:sp>
+        <p:sp>
+          <p:nvSpPr>
+            <p:cNvPr id="21" name="TextBox 20"/>
+            <p:cNvSpPr txBox="1"/>
+            <p:nvPr/>
+          </p:nvSpPr>
+          <p:spPr>
+            <a:xfrm rot="16200000">
+              <a:off x="-292461" y="5705418"/>
+              <a:ext cx="1044201" cy="369332"/>
+            </a:xfrm>
+            <a:prstGeom prst="rect">
+              <a:avLst/>
+            </a:prstGeom>
+            <a:noFill/>
+          </p:spPr>
+          <p:txBody>
+            <a:bodyPr wrap="none" rtlCol="0">
+              <a:spAutoFit/>
+            </a:bodyPr>
+            <a:lstStyle/>
+            <a:p>
+              <a:r>
+                <a:rPr lang="en-US" dirty="0" smtClean="0">
+                  <a:latin typeface="Helvetica"/>
+                  <a:cs typeface="Helvetica"/>
+                </a:rPr>
+                <a:t>Analysis</a:t>
+              </a:r>
+              <a:endParaRPr lang="en-US" dirty="0">
+                <a:latin typeface="Helvetica"/>
+                <a:cs typeface="Helvetica"/>
+              </a:endParaRPr>
+            </a:p>
+          </p:txBody>
+        </p:sp>
+        <p:sp>
+          <p:nvSpPr>
+            <p:cNvPr id="22" name="Rounded Rectangle 21"/>
+            <p:cNvSpPr/>
+            <p:nvPr/>
+          </p:nvSpPr>
+          <p:spPr>
+            <a:xfrm>
+              <a:off x="4151996" y="5190366"/>
+              <a:ext cx="2001353" cy="1218630"/>
+            </a:xfrm>
+            <a:prstGeom prst="roundRect">
+              <a:avLst/>
+            </a:prstGeom>
+            <a:solidFill>
+              <a:srgbClr val="FFFFFF"/>
+            </a:solidFill>
+            <a:ln>
               <a:solidFill>
                 <a:srgbClr val="000000"/>
               </a:solidFill>
-              <a:latin typeface="Helvetica"/>
-              <a:cs typeface="Helvetica"/>
-            </a:endParaRPr>
-          </a:p>
-        </p:txBody>
-      </p:sp>
-      <p:sp>
-        <p:nvSpPr>
-          <p:cNvPr id="17" name="Rounded Rectangle 16"/>
-          <p:cNvSpPr/>
-          <p:nvPr/>
-        </p:nvSpPr>
-        <p:spPr>
-          <a:xfrm>
-            <a:off x="3068378" y="85157"/>
-            <a:ext cx="4220812" cy="977222"/>
-          </a:xfrm>
-          <a:prstGeom prst="roundRect">
-            <a:avLst/>
-          </a:prstGeom>
-          <a:solidFill>
-            <a:srgbClr val="FFFFFF"/>
-          </a:solidFill>
-          <a:ln>
-            <a:solidFill>
-              <a:srgbClr val="000000"/>
-            </a:solidFill>
-          </a:ln>
-          <a:effectLst/>
-        </p:spPr>
-        <p:style>
-          <a:lnRef idx="1">
-            <a:schemeClr val="accent1"/>
-          </a:lnRef>
-          <a:fillRef idx="3">
-            <a:schemeClr val="accent1"/>
-          </a:fillRef>
-          <a:effectRef idx="2">
-            <a:schemeClr val="accent1"/>
-          </a:effectRef>
-          <a:fontRef idx="minor">
-            <a:schemeClr val="lt1"/>
-          </a:fontRef>
-        </p:style>
-        <p:txBody>
-          <a:bodyPr rtlCol="0" anchor="ctr"/>
-          <a:lstStyle/>
-          <a:p>
-            <a:pPr algn="ctr"/>
-            <a:r>
-              <a:rPr lang="en-US" sz="3500" dirty="0" smtClean="0">
+            </a:ln>
+            <a:effectLst/>
+          </p:spPr>
+          <p:style>
+            <a:lnRef idx="1">
+              <a:schemeClr val="accent1"/>
+            </a:lnRef>
+            <a:fillRef idx="3">
+              <a:schemeClr val="accent1"/>
+            </a:fillRef>
+            <a:effectRef idx="2">
+              <a:schemeClr val="accent1"/>
+            </a:effectRef>
+            <a:fontRef idx="minor">
+              <a:schemeClr val="lt1"/>
+            </a:fontRef>
+          </p:style>
+          <p:txBody>
+            <a:bodyPr rtlCol="0" anchor="ctr"/>
+            <a:lstStyle/>
+            <a:p>
+              <a:pPr algn="ctr"/>
+              <a:r>
+                <a:rPr lang="en-US" dirty="0" smtClean="0">
+                  <a:solidFill>
+                    <a:srgbClr val="000000"/>
+                  </a:solidFill>
+                  <a:latin typeface="Helvetica"/>
+                  <a:cs typeface="Helvetica"/>
+                </a:rPr>
+                <a:t>Hierarchical Clustering</a:t>
+              </a:r>
+              <a:endParaRPr lang="en-US" dirty="0">
                 <a:solidFill>
                   <a:srgbClr val="000000"/>
                 </a:solidFill>
                 <a:latin typeface="Helvetica"/>
                 <a:cs typeface="Helvetica"/>
-              </a:rPr>
-              <a:t>Analysis Pipeline</a:t>
-            </a:r>
-            <a:endParaRPr lang="en-US" sz="3500" dirty="0">
+              </a:endParaRPr>
+            </a:p>
+          </p:txBody>
+        </p:sp>
+        <p:sp>
+          <p:nvSpPr>
+            <p:cNvPr id="23" name="Rounded Rectangle 22"/>
+            <p:cNvSpPr/>
+            <p:nvPr/>
+          </p:nvSpPr>
+          <p:spPr>
+            <a:xfrm>
+              <a:off x="6762413" y="5193555"/>
+              <a:ext cx="2001353" cy="1218630"/>
+            </a:xfrm>
+            <a:prstGeom prst="roundRect">
+              <a:avLst/>
+            </a:prstGeom>
+            <a:solidFill>
+              <a:srgbClr val="FFFFFF"/>
+            </a:solidFill>
+            <a:ln>
               <a:solidFill>
                 <a:srgbClr val="000000"/>
               </a:solidFill>
-              <a:latin typeface="Helvetica"/>
-              <a:cs typeface="Helvetica"/>
-            </a:endParaRPr>
-          </a:p>
-        </p:txBody>
-      </p:sp>
-      <p:sp>
-        <p:nvSpPr>
-          <p:cNvPr id="19" name="TextBox 18"/>
-          <p:cNvSpPr txBox="1"/>
-          <p:nvPr/>
-        </p:nvSpPr>
-        <p:spPr>
-          <a:xfrm rot="16200000">
-            <a:off x="-572237" y="2018092"/>
-            <a:ext cx="1570224" cy="369332"/>
-          </a:xfrm>
-          <a:prstGeom prst="rect">
-            <a:avLst/>
-          </a:prstGeom>
-          <a:noFill/>
-        </p:spPr>
-        <p:txBody>
-          <a:bodyPr wrap="none" rtlCol="0">
-            <a:spAutoFit/>
-          </a:bodyPr>
-          <a:lstStyle/>
-          <a:p>
-            <a:r>
-              <a:rPr lang="en-US" dirty="0" smtClean="0">
-                <a:latin typeface="Helvetica"/>
-                <a:cs typeface="Helvetica"/>
-              </a:rPr>
-              <a:t>Process Data</a:t>
-            </a:r>
-            <a:endParaRPr lang="en-US" dirty="0">
-              <a:latin typeface="Helvetica"/>
-              <a:cs typeface="Helvetica"/>
-            </a:endParaRPr>
-          </a:p>
-        </p:txBody>
-      </p:sp>
-      <p:sp>
-        <p:nvSpPr>
-          <p:cNvPr id="20" name="TextBox 19"/>
-          <p:cNvSpPr txBox="1"/>
-          <p:nvPr/>
-        </p:nvSpPr>
-        <p:spPr>
-          <a:xfrm rot="16200000">
-            <a:off x="-338590" y="3863746"/>
-            <a:ext cx="1121408" cy="369332"/>
-          </a:xfrm>
-          <a:prstGeom prst="rect">
-            <a:avLst/>
-          </a:prstGeom>
-          <a:noFill/>
-        </p:spPr>
-        <p:txBody>
-          <a:bodyPr wrap="none" rtlCol="0">
-            <a:spAutoFit/>
-          </a:bodyPr>
-          <a:lstStyle/>
-          <a:p>
-            <a:r>
-              <a:rPr lang="en-US" dirty="0" smtClean="0">
-                <a:latin typeface="Helvetica"/>
-                <a:cs typeface="Helvetica"/>
-              </a:rPr>
-              <a:t>Modeling</a:t>
-            </a:r>
-            <a:endParaRPr lang="en-US" dirty="0">
-              <a:latin typeface="Helvetica"/>
-              <a:cs typeface="Helvetica"/>
-            </a:endParaRPr>
-          </a:p>
-        </p:txBody>
-      </p:sp>
-      <p:sp>
-        <p:nvSpPr>
-          <p:cNvPr id="21" name="TextBox 20"/>
-          <p:cNvSpPr txBox="1"/>
-          <p:nvPr/>
-        </p:nvSpPr>
-        <p:spPr>
-          <a:xfrm rot="16200000">
-            <a:off x="-292461" y="5705418"/>
-            <a:ext cx="1044201" cy="369332"/>
-          </a:xfrm>
-          <a:prstGeom prst="rect">
-            <a:avLst/>
-          </a:prstGeom>
-          <a:noFill/>
-        </p:spPr>
-        <p:txBody>
-          <a:bodyPr wrap="none" rtlCol="0">
-            <a:spAutoFit/>
-          </a:bodyPr>
-          <a:lstStyle/>
-          <a:p>
-            <a:r>
-              <a:rPr lang="en-US" dirty="0" smtClean="0">
-                <a:latin typeface="Helvetica"/>
-                <a:cs typeface="Helvetica"/>
-              </a:rPr>
-              <a:t>Analysis</a:t>
-            </a:r>
-            <a:endParaRPr lang="en-US" dirty="0">
-              <a:latin typeface="Helvetica"/>
-              <a:cs typeface="Helvetica"/>
-            </a:endParaRPr>
-          </a:p>
-        </p:txBody>
-      </p:sp>
-      <p:sp>
-        <p:nvSpPr>
-          <p:cNvPr id="22" name="Rounded Rectangle 21"/>
-          <p:cNvSpPr/>
-          <p:nvPr/>
-        </p:nvSpPr>
-        <p:spPr>
-          <a:xfrm>
-            <a:off x="4151996" y="5190366"/>
-            <a:ext cx="2001353" cy="1218630"/>
-          </a:xfrm>
-          <a:prstGeom prst="roundRect">
-            <a:avLst/>
-          </a:prstGeom>
-          <a:solidFill>
-            <a:srgbClr val="FFFFFF"/>
-          </a:solidFill>
-          <a:ln>
-            <a:solidFill>
-              <a:srgbClr val="000000"/>
-            </a:solidFill>
-          </a:ln>
-          <a:effectLst/>
-        </p:spPr>
-        <p:style>
-          <a:lnRef idx="1">
-            <a:schemeClr val="accent1"/>
-          </a:lnRef>
-          <a:fillRef idx="3">
-            <a:schemeClr val="accent1"/>
-          </a:fillRef>
-          <a:effectRef idx="2">
-            <a:schemeClr val="accent1"/>
-          </a:effectRef>
-          <a:fontRef idx="minor">
-            <a:schemeClr val="lt1"/>
-          </a:fontRef>
-        </p:style>
-        <p:txBody>
-          <a:bodyPr rtlCol="0" anchor="ctr"/>
-          <a:lstStyle/>
-          <a:p>
-            <a:pPr algn="ctr"/>
-            <a:r>
-              <a:rPr lang="en-US" dirty="0" smtClean="0">
+            </a:ln>
+            <a:effectLst/>
+          </p:spPr>
+          <p:style>
+            <a:lnRef idx="1">
+              <a:schemeClr val="accent1"/>
+            </a:lnRef>
+            <a:fillRef idx="3">
+              <a:schemeClr val="accent1"/>
+            </a:fillRef>
+            <a:effectRef idx="2">
+              <a:schemeClr val="accent1"/>
+            </a:effectRef>
+            <a:fontRef idx="minor">
+              <a:schemeClr val="lt1"/>
+            </a:fontRef>
+          </p:style>
+          <p:txBody>
+            <a:bodyPr rtlCol="0" anchor="ctr"/>
+            <a:lstStyle/>
+            <a:p>
+              <a:pPr algn="ctr"/>
+              <a:r>
+                <a:rPr lang="en-US" dirty="0" smtClean="0">
+                  <a:solidFill>
+                    <a:srgbClr val="000000"/>
+                  </a:solidFill>
+                  <a:latin typeface="Helvetica"/>
+                  <a:cs typeface="Helvetica"/>
+                </a:rPr>
+                <a:t>ROI x ROI probability  matrices for each state</a:t>
+              </a:r>
+              <a:endParaRPr lang="en-US" dirty="0">
                 <a:solidFill>
                   <a:srgbClr val="000000"/>
                 </a:solidFill>
                 <a:latin typeface="Helvetica"/>
                 <a:cs typeface="Helvetica"/>
-              </a:rPr>
-              <a:t>Hierarchical Clustering</a:t>
-            </a:r>
-            <a:endParaRPr lang="en-US" dirty="0">
+              </a:endParaRPr>
+            </a:p>
+          </p:txBody>
+        </p:sp>
+        <p:cxnSp>
+          <p:nvCxnSpPr>
+            <p:cNvPr id="25" name="Straight Arrow Connector 24"/>
+            <p:cNvCxnSpPr>
+              <a:stCxn id="4" idx="3"/>
+              <a:endCxn id="5" idx="1"/>
+            </p:cNvCxnSpPr>
+            <p:nvPr/>
+          </p:nvCxnSpPr>
+          <p:spPr>
+            <a:xfrm>
+              <a:off x="3604990" y="2199943"/>
+              <a:ext cx="572664" cy="0"/>
+            </a:xfrm>
+            <a:prstGeom prst="straightConnector1">
+              <a:avLst/>
+            </a:prstGeom>
+            <a:ln w="38100" cmpd="sng">
+              <a:solidFill>
+                <a:schemeClr val="tx1"/>
+              </a:solidFill>
+              <a:headEnd type="none"/>
+              <a:tailEnd type="triangle"/>
+            </a:ln>
+            <a:effectLst/>
+          </p:spPr>
+          <p:style>
+            <a:lnRef idx="2">
+              <a:schemeClr val="accent1"/>
+            </a:lnRef>
+            <a:fillRef idx="0">
+              <a:schemeClr val="accent1"/>
+            </a:fillRef>
+            <a:effectRef idx="1">
+              <a:schemeClr val="accent1"/>
+            </a:effectRef>
+            <a:fontRef idx="minor">
+              <a:schemeClr val="tx1"/>
+            </a:fontRef>
+          </p:style>
+        </p:cxnSp>
+        <p:cxnSp>
+          <p:nvCxnSpPr>
+            <p:cNvPr id="26" name="Straight Arrow Connector 25"/>
+            <p:cNvCxnSpPr/>
+            <p:nvPr/>
+          </p:nvCxnSpPr>
+          <p:spPr>
+            <a:xfrm>
+              <a:off x="6202578" y="2199943"/>
+              <a:ext cx="572664" cy="0"/>
+            </a:xfrm>
+            <a:prstGeom prst="straightConnector1">
+              <a:avLst/>
+            </a:prstGeom>
+            <a:ln w="38100" cmpd="sng">
+              <a:solidFill>
+                <a:schemeClr val="tx1"/>
+              </a:solidFill>
+              <a:headEnd type="none"/>
+              <a:tailEnd type="triangle"/>
+            </a:ln>
+            <a:effectLst/>
+          </p:spPr>
+          <p:style>
+            <a:lnRef idx="2">
+              <a:schemeClr val="accent1"/>
+            </a:lnRef>
+            <a:fillRef idx="0">
+              <a:schemeClr val="accent1"/>
+            </a:fillRef>
+            <a:effectRef idx="1">
+              <a:schemeClr val="accent1"/>
+            </a:effectRef>
+            <a:fontRef idx="minor">
+              <a:schemeClr val="tx1"/>
+            </a:fontRef>
+          </p:style>
+        </p:cxnSp>
+        <p:cxnSp>
+          <p:nvCxnSpPr>
+            <p:cNvPr id="27" name="Straight Arrow Connector 26"/>
+            <p:cNvCxnSpPr/>
+            <p:nvPr/>
+          </p:nvCxnSpPr>
+          <p:spPr>
+            <a:xfrm>
+              <a:off x="3604990" y="5815817"/>
+              <a:ext cx="572664" cy="0"/>
+            </a:xfrm>
+            <a:prstGeom prst="straightConnector1">
+              <a:avLst/>
+            </a:prstGeom>
+            <a:ln w="38100" cmpd="sng">
+              <a:solidFill>
+                <a:schemeClr val="tx1"/>
+              </a:solidFill>
+              <a:headEnd type="none"/>
+              <a:tailEnd type="triangle"/>
+            </a:ln>
+            <a:effectLst/>
+          </p:spPr>
+          <p:style>
+            <a:lnRef idx="2">
+              <a:schemeClr val="accent1"/>
+            </a:lnRef>
+            <a:fillRef idx="0">
+              <a:schemeClr val="accent1"/>
+            </a:fillRef>
+            <a:effectRef idx="1">
+              <a:schemeClr val="accent1"/>
+            </a:effectRef>
+            <a:fontRef idx="minor">
+              <a:schemeClr val="tx1"/>
+            </a:fontRef>
+          </p:style>
+        </p:cxnSp>
+        <p:cxnSp>
+          <p:nvCxnSpPr>
+            <p:cNvPr id="28" name="Straight Arrow Connector 27"/>
+            <p:cNvCxnSpPr/>
+            <p:nvPr/>
+          </p:nvCxnSpPr>
+          <p:spPr>
+            <a:xfrm>
+              <a:off x="6153349" y="5815817"/>
+              <a:ext cx="572664" cy="0"/>
+            </a:xfrm>
+            <a:prstGeom prst="straightConnector1">
+              <a:avLst/>
+            </a:prstGeom>
+            <a:ln w="38100" cmpd="sng">
+              <a:solidFill>
+                <a:schemeClr val="tx1"/>
+              </a:solidFill>
+              <a:headEnd type="none"/>
+              <a:tailEnd type="triangle"/>
+            </a:ln>
+            <a:effectLst/>
+          </p:spPr>
+          <p:style>
+            <a:lnRef idx="2">
+              <a:schemeClr val="accent1"/>
+            </a:lnRef>
+            <a:fillRef idx="0">
+              <a:schemeClr val="accent1"/>
+            </a:fillRef>
+            <a:effectRef idx="1">
+              <a:schemeClr val="accent1"/>
+            </a:effectRef>
+            <a:fontRef idx="minor">
+              <a:schemeClr val="tx1"/>
+            </a:fontRef>
+          </p:style>
+        </p:cxnSp>
+        <p:cxnSp>
+          <p:nvCxnSpPr>
+            <p:cNvPr id="44" name="Elbow Connector 43"/>
+            <p:cNvCxnSpPr>
+              <a:stCxn id="6" idx="2"/>
+              <a:endCxn id="7" idx="3"/>
+            </p:cNvCxnSpPr>
+            <p:nvPr/>
+          </p:nvCxnSpPr>
+          <p:spPr>
+            <a:xfrm rot="5400000">
+              <a:off x="6341575" y="2621032"/>
+              <a:ext cx="1246119" cy="1622570"/>
+            </a:xfrm>
+            <a:prstGeom prst="bentConnector2">
+              <a:avLst/>
+            </a:prstGeom>
+            <a:ln w="38100" cmpd="sng">
               <a:solidFill>
                 <a:srgbClr val="000000"/>
               </a:solidFill>
-              <a:latin typeface="Helvetica"/>
-              <a:cs typeface="Helvetica"/>
-            </a:endParaRPr>
-          </a:p>
-        </p:txBody>
-      </p:sp>
-      <p:sp>
-        <p:nvSpPr>
-          <p:cNvPr id="23" name="Rounded Rectangle 22"/>
-          <p:cNvSpPr/>
-          <p:nvPr/>
-        </p:nvSpPr>
-        <p:spPr>
-          <a:xfrm>
-            <a:off x="6762413" y="5193555"/>
-            <a:ext cx="2001353" cy="1218630"/>
-          </a:xfrm>
-          <a:prstGeom prst="roundRect">
-            <a:avLst/>
-          </a:prstGeom>
-          <a:solidFill>
-            <a:srgbClr val="FFFFFF"/>
-          </a:solidFill>
-          <a:ln>
-            <a:solidFill>
-              <a:srgbClr val="000000"/>
-            </a:solidFill>
-          </a:ln>
-          <a:effectLst/>
-        </p:spPr>
-        <p:style>
-          <a:lnRef idx="1">
-            <a:schemeClr val="accent1"/>
-          </a:lnRef>
-          <a:fillRef idx="3">
-            <a:schemeClr val="accent1"/>
-          </a:fillRef>
-          <a:effectRef idx="2">
-            <a:schemeClr val="accent1"/>
-          </a:effectRef>
-          <a:fontRef idx="minor">
-            <a:schemeClr val="lt1"/>
-          </a:fontRef>
-        </p:style>
-        <p:txBody>
-          <a:bodyPr rtlCol="0" anchor="ctr"/>
-          <a:lstStyle/>
-          <a:p>
-            <a:pPr algn="ctr"/>
-            <a:r>
-              <a:rPr lang="en-US" dirty="0" smtClean="0">
-                <a:solidFill>
-                  <a:srgbClr val="000000"/>
-                </a:solidFill>
-                <a:latin typeface="Helvetica"/>
-                <a:cs typeface="Helvetica"/>
-              </a:rPr>
-              <a:t>ROI x ROI probability  matrices for each state</a:t>
-            </a:r>
-            <a:endParaRPr lang="en-US" dirty="0">
+              <a:headEnd type="none"/>
+              <a:tailEnd type="triangle"/>
+            </a:ln>
+            <a:effectLst/>
+          </p:spPr>
+          <p:style>
+            <a:lnRef idx="2">
+              <a:schemeClr val="accent1"/>
+            </a:lnRef>
+            <a:fillRef idx="0">
+              <a:schemeClr val="accent1"/>
+            </a:fillRef>
+            <a:effectRef idx="1">
+              <a:schemeClr val="accent1"/>
+            </a:effectRef>
+            <a:fontRef idx="minor">
+              <a:schemeClr val="tx1"/>
+            </a:fontRef>
+          </p:style>
+        </p:cxnSp>
+        <p:cxnSp>
+          <p:nvCxnSpPr>
+            <p:cNvPr id="45" name="Elbow Connector 44"/>
+            <p:cNvCxnSpPr>
+              <a:stCxn id="7" idx="1"/>
+              <a:endCxn id="9" idx="0"/>
+            </p:cNvCxnSpPr>
+            <p:nvPr/>
+          </p:nvCxnSpPr>
+          <p:spPr>
+            <a:xfrm rot="10800000" flipV="1">
+              <a:off x="2604314" y="4055377"/>
+              <a:ext cx="1547682" cy="1138178"/>
+            </a:xfrm>
+            <a:prstGeom prst="bentConnector2">
+              <a:avLst/>
+            </a:prstGeom>
+            <a:ln w="38100" cmpd="sng">
               <a:solidFill>
                 <a:srgbClr val="000000"/>
               </a:solidFill>
-              <a:latin typeface="Helvetica"/>
-              <a:cs typeface="Helvetica"/>
-            </a:endParaRPr>
-          </a:p>
-        </p:txBody>
-      </p:sp>
-      <p:cxnSp>
-        <p:nvCxnSpPr>
-          <p:cNvPr id="25" name="Straight Arrow Connector 24"/>
-          <p:cNvCxnSpPr>
-            <a:stCxn id="4" idx="3"/>
-            <a:endCxn id="5" idx="1"/>
-          </p:cNvCxnSpPr>
-          <p:nvPr/>
-        </p:nvCxnSpPr>
-        <p:spPr>
-          <a:xfrm>
-            <a:off x="3604990" y="2199943"/>
-            <a:ext cx="572664" cy="0"/>
-          </a:xfrm>
-          <a:prstGeom prst="straightConnector1">
-            <a:avLst/>
-          </a:prstGeom>
-          <a:ln w="38100" cmpd="sng">
-            <a:solidFill>
+              <a:headEnd type="none"/>
+              <a:tailEnd type="triangle"/>
+            </a:ln>
+            <a:effectLst/>
+          </p:spPr>
+          <p:style>
+            <a:lnRef idx="2">
+              <a:schemeClr val="accent1"/>
+            </a:lnRef>
+            <a:fillRef idx="0">
+              <a:schemeClr val="accent1"/>
+            </a:fillRef>
+            <a:effectRef idx="1">
+              <a:schemeClr val="accent1"/>
+            </a:effectRef>
+            <a:fontRef idx="minor">
               <a:schemeClr val="tx1"/>
-            </a:solidFill>
-            <a:headEnd type="none"/>
-            <a:tailEnd type="triangle"/>
-          </a:ln>
-          <a:effectLst/>
-        </p:spPr>
-        <p:style>
-          <a:lnRef idx="2">
-            <a:schemeClr val="accent1"/>
-          </a:lnRef>
-          <a:fillRef idx="0">
-            <a:schemeClr val="accent1"/>
-          </a:fillRef>
-          <a:effectRef idx="1">
-            <a:schemeClr val="accent1"/>
-          </a:effectRef>
-          <a:fontRef idx="minor">
-            <a:schemeClr val="tx1"/>
-          </a:fontRef>
-        </p:style>
-      </p:cxnSp>
-      <p:cxnSp>
-        <p:nvCxnSpPr>
-          <p:cNvPr id="26" name="Straight Arrow Connector 25"/>
-          <p:cNvCxnSpPr/>
-          <p:nvPr/>
-        </p:nvCxnSpPr>
-        <p:spPr>
-          <a:xfrm>
-            <a:off x="6202578" y="2199943"/>
-            <a:ext cx="572664" cy="0"/>
-          </a:xfrm>
-          <a:prstGeom prst="straightConnector1">
-            <a:avLst/>
-          </a:prstGeom>
-          <a:ln w="38100" cmpd="sng">
-            <a:solidFill>
-              <a:schemeClr val="tx1"/>
-            </a:solidFill>
-            <a:headEnd type="none"/>
-            <a:tailEnd type="triangle"/>
-          </a:ln>
-          <a:effectLst/>
-        </p:spPr>
-        <p:style>
-          <a:lnRef idx="2">
-            <a:schemeClr val="accent1"/>
-          </a:lnRef>
-          <a:fillRef idx="0">
-            <a:schemeClr val="accent1"/>
-          </a:fillRef>
-          <a:effectRef idx="1">
-            <a:schemeClr val="accent1"/>
-          </a:effectRef>
-          <a:fontRef idx="minor">
-            <a:schemeClr val="tx1"/>
-          </a:fontRef>
-        </p:style>
-      </p:cxnSp>
-      <p:cxnSp>
-        <p:nvCxnSpPr>
-          <p:cNvPr id="27" name="Straight Arrow Connector 26"/>
-          <p:cNvCxnSpPr/>
-          <p:nvPr/>
-        </p:nvCxnSpPr>
-        <p:spPr>
-          <a:xfrm>
-            <a:off x="3604990" y="5815817"/>
-            <a:ext cx="572664" cy="0"/>
-          </a:xfrm>
-          <a:prstGeom prst="straightConnector1">
-            <a:avLst/>
-          </a:prstGeom>
-          <a:ln w="38100" cmpd="sng">
-            <a:solidFill>
-              <a:schemeClr val="tx1"/>
-            </a:solidFill>
-            <a:headEnd type="none"/>
-            <a:tailEnd type="triangle"/>
-          </a:ln>
-          <a:effectLst/>
-        </p:spPr>
-        <p:style>
-          <a:lnRef idx="2">
-            <a:schemeClr val="accent1"/>
-          </a:lnRef>
-          <a:fillRef idx="0">
-            <a:schemeClr val="accent1"/>
-          </a:fillRef>
-          <a:effectRef idx="1">
-            <a:schemeClr val="accent1"/>
-          </a:effectRef>
-          <a:fontRef idx="minor">
-            <a:schemeClr val="tx1"/>
-          </a:fontRef>
-        </p:style>
-      </p:cxnSp>
-      <p:cxnSp>
-        <p:nvCxnSpPr>
-          <p:cNvPr id="28" name="Straight Arrow Connector 27"/>
-          <p:cNvCxnSpPr/>
-          <p:nvPr/>
-        </p:nvCxnSpPr>
-        <p:spPr>
-          <a:xfrm>
-            <a:off x="6153349" y="5815817"/>
-            <a:ext cx="572664" cy="0"/>
-          </a:xfrm>
-          <a:prstGeom prst="straightConnector1">
-            <a:avLst/>
-          </a:prstGeom>
-          <a:ln w="38100" cmpd="sng">
-            <a:solidFill>
-              <a:schemeClr val="tx1"/>
-            </a:solidFill>
-            <a:headEnd type="none"/>
-            <a:tailEnd type="triangle"/>
-          </a:ln>
-          <a:effectLst/>
-        </p:spPr>
-        <p:style>
-          <a:lnRef idx="2">
-            <a:schemeClr val="accent1"/>
-          </a:lnRef>
-          <a:fillRef idx="0">
-            <a:schemeClr val="accent1"/>
-          </a:fillRef>
-          <a:effectRef idx="1">
-            <a:schemeClr val="accent1"/>
-          </a:effectRef>
-          <a:fontRef idx="minor">
-            <a:schemeClr val="tx1"/>
-          </a:fontRef>
-        </p:style>
-      </p:cxnSp>
-      <p:cxnSp>
-        <p:nvCxnSpPr>
-          <p:cNvPr id="44" name="Elbow Connector 43"/>
-          <p:cNvCxnSpPr>
-            <a:stCxn id="6" idx="2"/>
-            <a:endCxn id="7" idx="3"/>
-          </p:cNvCxnSpPr>
-          <p:nvPr/>
-        </p:nvCxnSpPr>
-        <p:spPr>
-          <a:xfrm rot="5400000">
-            <a:off x="6341575" y="2621032"/>
-            <a:ext cx="1246119" cy="1622570"/>
-          </a:xfrm>
-          <a:prstGeom prst="bentConnector2">
-            <a:avLst/>
-          </a:prstGeom>
-          <a:ln w="38100" cmpd="sng">
-            <a:solidFill>
-              <a:srgbClr val="000000"/>
-            </a:solidFill>
-            <a:headEnd type="none"/>
-            <a:tailEnd type="triangle"/>
-          </a:ln>
-          <a:effectLst/>
-        </p:spPr>
-        <p:style>
-          <a:lnRef idx="2">
-            <a:schemeClr val="accent1"/>
-          </a:lnRef>
-          <a:fillRef idx="0">
-            <a:schemeClr val="accent1"/>
-          </a:fillRef>
-          <a:effectRef idx="1">
-            <a:schemeClr val="accent1"/>
-          </a:effectRef>
-          <a:fontRef idx="minor">
-            <a:schemeClr val="tx1"/>
-          </a:fontRef>
-        </p:style>
-      </p:cxnSp>
-      <p:cxnSp>
-        <p:nvCxnSpPr>
-          <p:cNvPr id="45" name="Elbow Connector 44"/>
-          <p:cNvCxnSpPr>
-            <a:stCxn id="7" idx="1"/>
-            <a:endCxn id="9" idx="0"/>
-          </p:cNvCxnSpPr>
-          <p:nvPr/>
-        </p:nvCxnSpPr>
-        <p:spPr>
-          <a:xfrm rot="10800000" flipV="1">
-            <a:off x="2604314" y="4055377"/>
-            <a:ext cx="1547682" cy="1138178"/>
-          </a:xfrm>
-          <a:prstGeom prst="bentConnector2">
-            <a:avLst/>
-          </a:prstGeom>
-          <a:ln w="38100" cmpd="sng">
-            <a:solidFill>
-              <a:srgbClr val="000000"/>
-            </a:solidFill>
-            <a:headEnd type="none"/>
-            <a:tailEnd type="triangle"/>
-          </a:ln>
-          <a:effectLst/>
-        </p:spPr>
-        <p:style>
-          <a:lnRef idx="2">
-            <a:schemeClr val="accent1"/>
-          </a:lnRef>
-          <a:fillRef idx="0">
-            <a:schemeClr val="accent1"/>
-          </a:fillRef>
-          <a:effectRef idx="1">
-            <a:schemeClr val="accent1"/>
-          </a:effectRef>
-          <a:fontRef idx="minor">
-            <a:schemeClr val="tx1"/>
-          </a:fontRef>
-        </p:style>
-      </p:cxnSp>
+            </a:fontRef>
+          </p:style>
+        </p:cxnSp>
+      </p:grpSp>
     </p:spTree>
     <p:extLst>
       <p:ext uri="{BB962C8B-B14F-4D97-AF65-F5344CB8AC3E}">
